--- a/Data/C108112102_何佳曄_進度報告_1091218.pptx
+++ b/Data/C108112102_何佳曄_進度報告_1091218.pptx
@@ -13,8 +13,8 @@
   <p:sldIdLst>
     <p:sldId id="259" r:id="rId2"/>
     <p:sldId id="262" r:id="rId3"/>
-    <p:sldId id="263" r:id="rId4"/>
-    <p:sldId id="265" r:id="rId5"/>
+    <p:sldId id="265" r:id="rId4"/>
+    <p:sldId id="263" r:id="rId5"/>
     <p:sldId id="264" r:id="rId6"/>
     <p:sldId id="266" r:id="rId7"/>
   </p:sldIdLst>
@@ -122,8 +122,8 @@
           <p14:sldIdLst>
             <p14:sldId id="259"/>
             <p14:sldId id="262"/>
+            <p14:sldId id="265"/>
             <p14:sldId id="263"/>
-            <p14:sldId id="265"/>
             <p14:sldId id="264"/>
             <p14:sldId id="266"/>
           </p14:sldIdLst>
@@ -234,7 +234,7 @@
           <a:p>
             <a:fld id="{7829F8E0-05F2-4742-BB97-D2E4F51035C8}" type="datetimeFigureOut">
               <a:rPr lang="zh-TW" altLang="en-US" smtClean="0"/>
-              <a:t>2020/12/16</a:t>
+              <a:t>2020/12/18</a:t>
             </a:fld>
             <a:endParaRPr lang="zh-TW" altLang="en-US"/>
           </a:p>
@@ -399,7 +399,7 @@
           <a:p>
             <a:fld id="{2CB905C5-9D54-40E2-B40C-7996280CAB02}" type="datetimeFigureOut">
               <a:rPr lang="zh-TW" altLang="en-US" smtClean="0"/>
-              <a:t>2020/12/16</a:t>
+              <a:t>2020/12/18</a:t>
             </a:fld>
             <a:endParaRPr lang="zh-TW" altLang="en-US"/>
           </a:p>
@@ -884,7 +884,7 @@
           <a:p>
             <a:fld id="{0C0CC965-A63A-473D-BEFB-C8F9714D5269}" type="datetimeFigureOut">
               <a:rPr lang="zh-TW" altLang="en-US" smtClean="0"/>
-              <a:t>2020/12/16</a:t>
+              <a:t>2020/12/18</a:t>
             </a:fld>
             <a:endParaRPr lang="zh-TW" altLang="en-US"/>
           </a:p>
@@ -1052,7 +1052,7 @@
           <a:p>
             <a:fld id="{0C0CC965-A63A-473D-BEFB-C8F9714D5269}" type="datetimeFigureOut">
               <a:rPr lang="zh-TW" altLang="en-US" smtClean="0"/>
-              <a:t>2020/12/16</a:t>
+              <a:t>2020/12/18</a:t>
             </a:fld>
             <a:endParaRPr lang="zh-TW" altLang="en-US"/>
           </a:p>
@@ -1230,7 +1230,7 @@
           <a:p>
             <a:fld id="{0C0CC965-A63A-473D-BEFB-C8F9714D5269}" type="datetimeFigureOut">
               <a:rPr lang="zh-TW" altLang="en-US" smtClean="0"/>
-              <a:t>2020/12/16</a:t>
+              <a:t>2020/12/18</a:t>
             </a:fld>
             <a:endParaRPr lang="zh-TW" altLang="en-US"/>
           </a:p>
@@ -1425,7 +1425,7 @@
           <a:p>
             <a:fld id="{0C0CC965-A63A-473D-BEFB-C8F9714D5269}" type="datetimeFigureOut">
               <a:rPr lang="zh-TW" altLang="en-US" smtClean="0"/>
-              <a:t>2020/12/16</a:t>
+              <a:t>2020/12/18</a:t>
             </a:fld>
             <a:endParaRPr lang="zh-TW" altLang="en-US"/>
           </a:p>
@@ -1670,7 +1670,7 @@
           <a:p>
             <a:fld id="{0C0CC965-A63A-473D-BEFB-C8F9714D5269}" type="datetimeFigureOut">
               <a:rPr lang="zh-TW" altLang="en-US" smtClean="0"/>
-              <a:t>2020/12/16</a:t>
+              <a:t>2020/12/18</a:t>
             </a:fld>
             <a:endParaRPr lang="zh-TW" altLang="en-US"/>
           </a:p>
@@ -1899,7 +1899,7 @@
           <a:p>
             <a:fld id="{0C0CC965-A63A-473D-BEFB-C8F9714D5269}" type="datetimeFigureOut">
               <a:rPr lang="zh-TW" altLang="en-US" smtClean="0"/>
-              <a:t>2020/12/16</a:t>
+              <a:t>2020/12/18</a:t>
             </a:fld>
             <a:endParaRPr lang="zh-TW" altLang="en-US"/>
           </a:p>
@@ -2263,7 +2263,7 @@
           <a:p>
             <a:fld id="{0C0CC965-A63A-473D-BEFB-C8F9714D5269}" type="datetimeFigureOut">
               <a:rPr lang="zh-TW" altLang="en-US" smtClean="0"/>
-              <a:t>2020/12/16</a:t>
+              <a:t>2020/12/18</a:t>
             </a:fld>
             <a:endParaRPr lang="zh-TW" altLang="en-US"/>
           </a:p>
@@ -2380,7 +2380,7 @@
           <a:p>
             <a:fld id="{0C0CC965-A63A-473D-BEFB-C8F9714D5269}" type="datetimeFigureOut">
               <a:rPr lang="zh-TW" altLang="en-US" smtClean="0"/>
-              <a:t>2020/12/16</a:t>
+              <a:t>2020/12/18</a:t>
             </a:fld>
             <a:endParaRPr lang="zh-TW" altLang="en-US"/>
           </a:p>
@@ -2475,7 +2475,7 @@
           <a:p>
             <a:fld id="{0C0CC965-A63A-473D-BEFB-C8F9714D5269}" type="datetimeFigureOut">
               <a:rPr lang="zh-TW" altLang="en-US" smtClean="0"/>
-              <a:t>2020/12/16</a:t>
+              <a:t>2020/12/18</a:t>
             </a:fld>
             <a:endParaRPr lang="zh-TW" altLang="en-US"/>
           </a:p>
@@ -2750,7 +2750,7 @@
           <a:p>
             <a:fld id="{0C0CC965-A63A-473D-BEFB-C8F9714D5269}" type="datetimeFigureOut">
               <a:rPr lang="zh-TW" altLang="en-US" smtClean="0"/>
-              <a:t>2020/12/16</a:t>
+              <a:t>2020/12/18</a:t>
             </a:fld>
             <a:endParaRPr lang="zh-TW" altLang="en-US"/>
           </a:p>
@@ -3002,7 +3002,7 @@
           <a:p>
             <a:fld id="{0C0CC965-A63A-473D-BEFB-C8F9714D5269}" type="datetimeFigureOut">
               <a:rPr lang="zh-TW" altLang="en-US" smtClean="0"/>
-              <a:t>2020/12/16</a:t>
+              <a:t>2020/12/18</a:t>
             </a:fld>
             <a:endParaRPr lang="zh-TW" altLang="en-US"/>
           </a:p>
@@ -3216,7 +3216,7 @@
             <a:fld id="{0C0CC965-A63A-473D-BEFB-C8F9714D5269}" type="datetimeFigureOut">
               <a:rPr lang="zh-TW" altLang="en-US" smtClean="0"/>
               <a:pPr/>
-              <a:t>2020/12/16</a:t>
+              <a:t>2020/12/18</a:t>
             </a:fld>
             <a:endParaRPr lang="zh-TW" altLang="en-US"/>
           </a:p>
@@ -4040,7 +4040,7 @@
           <a:p>
             <a:r>
               <a:rPr lang="zh-TW" altLang="en-US" sz="2000" dirty="0"/>
-              <a:t> </a:t>
+              <a:t>設計 </a:t>
             </a:r>
             <a:r>
               <a:rPr lang="en-US" altLang="zh-TW" sz="2000" dirty="0"/>
@@ -4048,7 +4048,7 @@
             </a:r>
             <a:r>
               <a:rPr lang="zh-TW" altLang="en-US" sz="2000" dirty="0"/>
-              <a:t> 乒乓球遊戲 流程圖</a:t>
+              <a:t> 乒乓球遊戲流程圖</a:t>
             </a:r>
             <a:endParaRPr lang="en-US" altLang="zh-TW" sz="2000" dirty="0"/>
           </a:p>
@@ -4058,7 +4058,7 @@
             </a:pPr>
             <a:r>
               <a:rPr lang="zh-TW" altLang="en-US" sz="2000" dirty="0"/>
-              <a:t>      </a:t>
+              <a:t>   </a:t>
             </a:r>
             <a:endParaRPr lang="en-US" altLang="zh-TW" sz="2000" dirty="0"/>
           </a:p>
@@ -4106,7 +4106,7 @@
           <p:cNvPr id="5" name="圖片 4">
             <a:extLst>
               <a:ext uri="{FF2B5EF4-FFF2-40B4-BE49-F238E27FC236}">
-                <a16:creationId xmlns:a16="http://schemas.microsoft.com/office/drawing/2014/main" id="{06D9680F-5EC1-4939-A7D5-85877FBBD3D2}"/>
+                <a16:creationId xmlns:a16="http://schemas.microsoft.com/office/drawing/2014/main" id="{79620E41-2DB8-4AE0-AB3B-7AFFC2AECF1B}"/>
               </a:ext>
             </a:extLst>
           </p:cNvPr>
@@ -4129,8 +4129,8 @@
         </p:blipFill>
         <p:spPr>
           <a:xfrm>
-            <a:off x="838200" y="1591159"/>
-            <a:ext cx="4974203" cy="4259158"/>
+            <a:off x="838200" y="1602297"/>
+            <a:ext cx="6871283" cy="4637329"/>
           </a:xfrm>
           <a:prstGeom prst="rect">
             <a:avLst/>
@@ -4140,7 +4140,7 @@
     </p:spTree>
     <p:extLst>
       <p:ext uri="{BB962C8B-B14F-4D97-AF65-F5344CB8AC3E}">
-        <p14:creationId xmlns:p14="http://schemas.microsoft.com/office/powerpoint/2010/main" val="2376800786"/>
+        <p14:creationId xmlns:p14="http://schemas.microsoft.com/office/powerpoint/2010/main" val="840295460"/>
       </p:ext>
     </p:extLst>
   </p:cSld>
@@ -4192,7 +4192,7 @@
           <a:p>
             <a:r>
               <a:rPr lang="zh-TW" altLang="en-US" sz="2000" dirty="0"/>
-              <a:t>設計 </a:t>
+              <a:t> </a:t>
             </a:r>
             <a:r>
               <a:rPr lang="en-US" altLang="zh-TW" sz="2000" dirty="0"/>
@@ -4200,7 +4200,15 @@
             </a:r>
             <a:r>
               <a:rPr lang="zh-TW" altLang="en-US" sz="2000" dirty="0"/>
-              <a:t> 乒乓球遊戲</a:t>
+              <a:t> 乒乓球遊戲 </a:t>
+            </a:r>
+            <a:r>
+              <a:rPr lang="en-US" altLang="zh-TW" sz="2000" dirty="0"/>
+              <a:t>VHDL</a:t>
+            </a:r>
+            <a:r>
+              <a:rPr lang="zh-TW" altLang="en-US" sz="2000" dirty="0"/>
+              <a:t> 狀態圖</a:t>
             </a:r>
             <a:endParaRPr lang="en-US" altLang="zh-TW" sz="2000" dirty="0"/>
           </a:p>
@@ -4210,7 +4218,7 @@
             </a:pPr>
             <a:r>
               <a:rPr lang="zh-TW" altLang="en-US" sz="2000" dirty="0"/>
-              <a:t>   </a:t>
+              <a:t>      </a:t>
             </a:r>
             <a:endParaRPr lang="en-US" altLang="zh-TW" sz="2000" dirty="0"/>
           </a:p>
@@ -4253,10 +4261,356 @@
           </a:p>
         </p:txBody>
       </p:sp>
+      <p:pic>
+        <p:nvPicPr>
+          <p:cNvPr id="8" name="圖片 7">
+            <a:extLst>
+              <a:ext uri="{FF2B5EF4-FFF2-40B4-BE49-F238E27FC236}">
+                <a16:creationId xmlns:a16="http://schemas.microsoft.com/office/drawing/2014/main" id="{58447476-14F1-4613-98AD-412FC21AD726}"/>
+              </a:ext>
+            </a:extLst>
+          </p:cNvPr>
+          <p:cNvPicPr>
+            <a:picLocks noChangeAspect="1"/>
+          </p:cNvPicPr>
+          <p:nvPr/>
+        </p:nvPicPr>
+        <p:blipFill>
+          <a:blip r:embed="rId2" cstate="print">
+            <a:extLst>
+              <a:ext uri="{28A0092B-C50C-407E-A947-70E740481C1C}">
+                <a14:useLocalDpi xmlns:a14="http://schemas.microsoft.com/office/drawing/2010/main" val="0"/>
+              </a:ext>
+            </a:extLst>
+          </a:blip>
+          <a:stretch>
+            <a:fillRect/>
+          </a:stretch>
+        </p:blipFill>
+        <p:spPr>
+          <a:xfrm>
+            <a:off x="838200" y="1679656"/>
+            <a:ext cx="6006147" cy="4325079"/>
+          </a:xfrm>
+          <a:prstGeom prst="rect">
+            <a:avLst/>
+          </a:prstGeom>
+        </p:spPr>
+      </p:pic>
+      <p:sp>
+        <p:nvSpPr>
+          <p:cNvPr id="9" name="文字方塊 8">
+            <a:extLst>
+              <a:ext uri="{FF2B5EF4-FFF2-40B4-BE49-F238E27FC236}">
+                <a16:creationId xmlns:a16="http://schemas.microsoft.com/office/drawing/2014/main" id="{92DB0298-8537-46FD-8244-29420E8889C5}"/>
+              </a:ext>
+            </a:extLst>
+          </p:cNvPr>
+          <p:cNvSpPr txBox="1"/>
+          <p:nvPr/>
+        </p:nvSpPr>
+        <p:spPr>
+          <a:xfrm>
+            <a:off x="7139031" y="2044015"/>
+            <a:ext cx="2608406" cy="2585323"/>
+          </a:xfrm>
+          <a:prstGeom prst="rect">
+            <a:avLst/>
+          </a:prstGeom>
+          <a:noFill/>
+        </p:spPr>
+        <p:txBody>
+          <a:bodyPr wrap="none" rtlCol="0">
+            <a:spAutoFit/>
+          </a:bodyPr>
+          <a:lstStyle/>
+          <a:p>
+            <a:r>
+              <a:rPr lang="zh-TW" altLang="en-US" dirty="0">
+                <a:latin typeface="標楷體" panose="03000509000000000000" pitchFamily="65" charset="-120"/>
+                <a:ea typeface="標楷體" panose="03000509000000000000" pitchFamily="65" charset="-120"/>
+              </a:rPr>
+              <a:t>說明</a:t>
+            </a:r>
+            <a:r>
+              <a:rPr lang="en-US" altLang="zh-TW" dirty="0">
+                <a:latin typeface="標楷體" panose="03000509000000000000" pitchFamily="65" charset="-120"/>
+                <a:ea typeface="標楷體" panose="03000509000000000000" pitchFamily="65" charset="-120"/>
+              </a:rPr>
+              <a:t>:</a:t>
+            </a:r>
+            <a:r>
+              <a:rPr lang="zh-TW" altLang="en-US" dirty="0">
+                <a:latin typeface="標楷體" panose="03000509000000000000" pitchFamily="65" charset="-120"/>
+                <a:ea typeface="標楷體" panose="03000509000000000000" pitchFamily="65" charset="-120"/>
+              </a:rPr>
+              <a:t> </a:t>
+            </a:r>
+            <a:endParaRPr lang="en-US" altLang="zh-TW" dirty="0">
+              <a:latin typeface="標楷體" panose="03000509000000000000" pitchFamily="65" charset="-120"/>
+              <a:ea typeface="標楷體" panose="03000509000000000000" pitchFamily="65" charset="-120"/>
+            </a:endParaRPr>
+          </a:p>
+          <a:p>
+            <a:r>
+              <a:rPr lang="en-US" altLang="zh-TW" dirty="0">
+                <a:latin typeface="標楷體" panose="03000509000000000000" pitchFamily="65" charset="-120"/>
+                <a:ea typeface="標楷體" panose="03000509000000000000" pitchFamily="65" charset="-120"/>
+              </a:rPr>
+              <a:t>000: PL1 </a:t>
+            </a:r>
+            <a:r>
+              <a:rPr lang="zh-TW" altLang="en-US" dirty="0">
+                <a:latin typeface="標楷體" panose="03000509000000000000" pitchFamily="65" charset="-120"/>
+                <a:ea typeface="標楷體" panose="03000509000000000000" pitchFamily="65" charset="-120"/>
+              </a:rPr>
+              <a:t>發球前的狀態</a:t>
+            </a:r>
+            <a:endParaRPr lang="en-US" altLang="zh-TW" dirty="0">
+              <a:latin typeface="標楷體" panose="03000509000000000000" pitchFamily="65" charset="-120"/>
+              <a:ea typeface="標楷體" panose="03000509000000000000" pitchFamily="65" charset="-120"/>
+            </a:endParaRPr>
+          </a:p>
+          <a:p>
+            <a:r>
+              <a:rPr lang="en-US" altLang="zh-TW" dirty="0">
+                <a:latin typeface="標楷體" panose="03000509000000000000" pitchFamily="65" charset="-120"/>
+                <a:ea typeface="標楷體" panose="03000509000000000000" pitchFamily="65" charset="-120"/>
+              </a:rPr>
+              <a:t>001:</a:t>
+            </a:r>
+            <a:r>
+              <a:rPr lang="zh-TW" altLang="en-US" dirty="0">
+                <a:latin typeface="標楷體" panose="03000509000000000000" pitchFamily="65" charset="-120"/>
+                <a:ea typeface="標楷體" panose="03000509000000000000" pitchFamily="65" charset="-120"/>
+              </a:rPr>
+              <a:t> </a:t>
+            </a:r>
+            <a:r>
+              <a:rPr lang="en-US" altLang="zh-TW" dirty="0">
+                <a:latin typeface="標楷體" panose="03000509000000000000" pitchFamily="65" charset="-120"/>
+                <a:ea typeface="標楷體" panose="03000509000000000000" pitchFamily="65" charset="-120"/>
+              </a:rPr>
+              <a:t>PL2 </a:t>
+            </a:r>
+            <a:r>
+              <a:rPr lang="zh-TW" altLang="en-US" dirty="0">
+                <a:latin typeface="標楷體" panose="03000509000000000000" pitchFamily="65" charset="-120"/>
+                <a:ea typeface="標楷體" panose="03000509000000000000" pitchFamily="65" charset="-120"/>
+              </a:rPr>
+              <a:t>發球前的狀態</a:t>
+            </a:r>
+            <a:endParaRPr lang="en-US" altLang="zh-TW" dirty="0">
+              <a:latin typeface="標楷體" panose="03000509000000000000" pitchFamily="65" charset="-120"/>
+              <a:ea typeface="標楷體" panose="03000509000000000000" pitchFamily="65" charset="-120"/>
+            </a:endParaRPr>
+          </a:p>
+          <a:p>
+            <a:r>
+              <a:rPr lang="en-US" altLang="zh-TW" dirty="0">
+                <a:latin typeface="標楷體" panose="03000509000000000000" pitchFamily="65" charset="-120"/>
+                <a:ea typeface="標楷體" panose="03000509000000000000" pitchFamily="65" charset="-120"/>
+              </a:rPr>
+              <a:t>010:</a:t>
+            </a:r>
+            <a:r>
+              <a:rPr lang="zh-TW" altLang="en-US" dirty="0">
+                <a:latin typeface="標楷體" panose="03000509000000000000" pitchFamily="65" charset="-120"/>
+                <a:ea typeface="標楷體" panose="03000509000000000000" pitchFamily="65" charset="-120"/>
+              </a:rPr>
+              <a:t> </a:t>
+            </a:r>
+            <a:r>
+              <a:rPr lang="en-US" altLang="zh-TW" dirty="0">
+                <a:latin typeface="標楷體" panose="03000509000000000000" pitchFamily="65" charset="-120"/>
+                <a:ea typeface="標楷體" panose="03000509000000000000" pitchFamily="65" charset="-120"/>
+              </a:rPr>
+              <a:t>LED</a:t>
+            </a:r>
+            <a:r>
+              <a:rPr lang="zh-TW" altLang="en-US" dirty="0">
+                <a:latin typeface="標楷體" panose="03000509000000000000" pitchFamily="65" charset="-120"/>
+                <a:ea typeface="標楷體" panose="03000509000000000000" pitchFamily="65" charset="-120"/>
+              </a:rPr>
+              <a:t> 右移</a:t>
+            </a:r>
+            <a:endParaRPr lang="en-US" altLang="zh-TW" dirty="0">
+              <a:latin typeface="標楷體" panose="03000509000000000000" pitchFamily="65" charset="-120"/>
+              <a:ea typeface="標楷體" panose="03000509000000000000" pitchFamily="65" charset="-120"/>
+            </a:endParaRPr>
+          </a:p>
+          <a:p>
+            <a:r>
+              <a:rPr lang="en-US" altLang="zh-TW" dirty="0">
+                <a:latin typeface="標楷體" panose="03000509000000000000" pitchFamily="65" charset="-120"/>
+                <a:ea typeface="標楷體" panose="03000509000000000000" pitchFamily="65" charset="-120"/>
+              </a:rPr>
+              <a:t>011:</a:t>
+            </a:r>
+            <a:r>
+              <a:rPr lang="zh-TW" altLang="en-US" dirty="0">
+                <a:latin typeface="標楷體" panose="03000509000000000000" pitchFamily="65" charset="-120"/>
+                <a:ea typeface="標楷體" panose="03000509000000000000" pitchFamily="65" charset="-120"/>
+              </a:rPr>
+              <a:t> </a:t>
+            </a:r>
+            <a:r>
+              <a:rPr lang="en-US" altLang="zh-TW" dirty="0">
+                <a:latin typeface="標楷體" panose="03000509000000000000" pitchFamily="65" charset="-120"/>
+                <a:ea typeface="標楷體" panose="03000509000000000000" pitchFamily="65" charset="-120"/>
+              </a:rPr>
+              <a:t>LED</a:t>
+            </a:r>
+            <a:r>
+              <a:rPr lang="zh-TW" altLang="en-US" dirty="0">
+                <a:latin typeface="標楷體" panose="03000509000000000000" pitchFamily="65" charset="-120"/>
+                <a:ea typeface="標楷體" panose="03000509000000000000" pitchFamily="65" charset="-120"/>
+              </a:rPr>
+              <a:t> 左移</a:t>
+            </a:r>
+            <a:endParaRPr lang="en-US" altLang="zh-TW" dirty="0">
+              <a:latin typeface="標楷體" panose="03000509000000000000" pitchFamily="65" charset="-120"/>
+              <a:ea typeface="標楷體" panose="03000509000000000000" pitchFamily="65" charset="-120"/>
+            </a:endParaRPr>
+          </a:p>
+          <a:p>
+            <a:r>
+              <a:rPr lang="en-US" altLang="zh-TW" dirty="0">
+                <a:latin typeface="標楷體" panose="03000509000000000000" pitchFamily="65" charset="-120"/>
+                <a:ea typeface="標楷體" panose="03000509000000000000" pitchFamily="65" charset="-120"/>
+              </a:rPr>
+              <a:t>100:</a:t>
+            </a:r>
+            <a:r>
+              <a:rPr lang="zh-TW" altLang="en-US" dirty="0">
+                <a:latin typeface="標楷體" panose="03000509000000000000" pitchFamily="65" charset="-120"/>
+                <a:ea typeface="標楷體" panose="03000509000000000000" pitchFamily="65" charset="-120"/>
+              </a:rPr>
+              <a:t> </a:t>
+            </a:r>
+            <a:r>
+              <a:rPr lang="en-US" altLang="zh-TW" dirty="0">
+                <a:latin typeface="標楷體" panose="03000509000000000000" pitchFamily="65" charset="-120"/>
+                <a:ea typeface="標楷體" panose="03000509000000000000" pitchFamily="65" charset="-120"/>
+              </a:rPr>
+              <a:t>PL1 </a:t>
+            </a:r>
+            <a:r>
+              <a:rPr lang="zh-TW" altLang="en-US" dirty="0">
+                <a:latin typeface="標楷體" panose="03000509000000000000" pitchFamily="65" charset="-120"/>
+                <a:ea typeface="標楷體" panose="03000509000000000000" pitchFamily="65" charset="-120"/>
+              </a:rPr>
+              <a:t>接到球</a:t>
+            </a:r>
+            <a:endParaRPr lang="en-US" altLang="zh-TW" dirty="0">
+              <a:latin typeface="標楷體" panose="03000509000000000000" pitchFamily="65" charset="-120"/>
+              <a:ea typeface="標楷體" panose="03000509000000000000" pitchFamily="65" charset="-120"/>
+            </a:endParaRPr>
+          </a:p>
+          <a:p>
+            <a:r>
+              <a:rPr lang="en-US" altLang="zh-TW" dirty="0">
+                <a:latin typeface="標楷體" panose="03000509000000000000" pitchFamily="65" charset="-120"/>
+                <a:ea typeface="標楷體" panose="03000509000000000000" pitchFamily="65" charset="-120"/>
+              </a:rPr>
+              <a:t>101:</a:t>
+            </a:r>
+            <a:r>
+              <a:rPr lang="zh-TW" altLang="en-US" dirty="0">
+                <a:latin typeface="標楷體" panose="03000509000000000000" pitchFamily="65" charset="-120"/>
+                <a:ea typeface="標楷體" panose="03000509000000000000" pitchFamily="65" charset="-120"/>
+              </a:rPr>
+              <a:t> </a:t>
+            </a:r>
+            <a:r>
+              <a:rPr lang="en-US" altLang="zh-TW" dirty="0">
+                <a:latin typeface="標楷體" panose="03000509000000000000" pitchFamily="65" charset="-120"/>
+                <a:ea typeface="標楷體" panose="03000509000000000000" pitchFamily="65" charset="-120"/>
+              </a:rPr>
+              <a:t>PL2 </a:t>
+            </a:r>
+            <a:r>
+              <a:rPr lang="zh-TW" altLang="en-US" dirty="0">
+                <a:latin typeface="標楷體" panose="03000509000000000000" pitchFamily="65" charset="-120"/>
+                <a:ea typeface="標楷體" panose="03000509000000000000" pitchFamily="65" charset="-120"/>
+              </a:rPr>
+              <a:t>接到球</a:t>
+            </a:r>
+            <a:endParaRPr lang="en-US" altLang="zh-TW" dirty="0">
+              <a:latin typeface="標楷體" panose="03000509000000000000" pitchFamily="65" charset="-120"/>
+              <a:ea typeface="標楷體" panose="03000509000000000000" pitchFamily="65" charset="-120"/>
+            </a:endParaRPr>
+          </a:p>
+          <a:p>
+            <a:r>
+              <a:rPr lang="en-US" altLang="zh-TW" dirty="0">
+                <a:latin typeface="標楷體" panose="03000509000000000000" pitchFamily="65" charset="-120"/>
+                <a:ea typeface="標楷體" panose="03000509000000000000" pitchFamily="65" charset="-120"/>
+              </a:rPr>
+              <a:t>110:</a:t>
+            </a:r>
+            <a:r>
+              <a:rPr lang="zh-TW" altLang="en-US" dirty="0">
+                <a:latin typeface="標楷體" panose="03000509000000000000" pitchFamily="65" charset="-120"/>
+                <a:ea typeface="標楷體" panose="03000509000000000000" pitchFamily="65" charset="-120"/>
+              </a:rPr>
+              <a:t> </a:t>
+            </a:r>
+            <a:r>
+              <a:rPr lang="en-US" altLang="zh-TW" dirty="0">
+                <a:latin typeface="標楷體" panose="03000509000000000000" pitchFamily="65" charset="-120"/>
+                <a:ea typeface="標楷體" panose="03000509000000000000" pitchFamily="65" charset="-120"/>
+              </a:rPr>
+              <a:t>PL1 </a:t>
+            </a:r>
+            <a:r>
+              <a:rPr lang="zh-TW" altLang="en-US" dirty="0">
+                <a:latin typeface="標楷體" panose="03000509000000000000" pitchFamily="65" charset="-120"/>
+                <a:ea typeface="標楷體" panose="03000509000000000000" pitchFamily="65" charset="-120"/>
+              </a:rPr>
+              <a:t>當前分數</a:t>
+            </a:r>
+            <a:endParaRPr lang="en-US" altLang="zh-TW" dirty="0">
+              <a:latin typeface="標楷體" panose="03000509000000000000" pitchFamily="65" charset="-120"/>
+              <a:ea typeface="標楷體" panose="03000509000000000000" pitchFamily="65" charset="-120"/>
+            </a:endParaRPr>
+          </a:p>
+          <a:p>
+            <a:r>
+              <a:rPr lang="en-US" altLang="zh-TW" dirty="0">
+                <a:latin typeface="標楷體" panose="03000509000000000000" pitchFamily="65" charset="-120"/>
+                <a:ea typeface="標楷體" panose="03000509000000000000" pitchFamily="65" charset="-120"/>
+              </a:rPr>
+              <a:t>111:</a:t>
+            </a:r>
+            <a:r>
+              <a:rPr lang="zh-TW" altLang="en-US" dirty="0">
+                <a:latin typeface="標楷體" panose="03000509000000000000" pitchFamily="65" charset="-120"/>
+                <a:ea typeface="標楷體" panose="03000509000000000000" pitchFamily="65" charset="-120"/>
+              </a:rPr>
+              <a:t> </a:t>
+            </a:r>
+            <a:r>
+              <a:rPr lang="en-US" altLang="zh-TW" dirty="0">
+                <a:latin typeface="標楷體" panose="03000509000000000000" pitchFamily="65" charset="-120"/>
+                <a:ea typeface="標楷體" panose="03000509000000000000" pitchFamily="65" charset="-120"/>
+              </a:rPr>
+              <a:t>PL2 </a:t>
+            </a:r>
+            <a:r>
+              <a:rPr lang="zh-TW" altLang="en-US" dirty="0">
+                <a:latin typeface="標楷體" panose="03000509000000000000" pitchFamily="65" charset="-120"/>
+                <a:ea typeface="標楷體" panose="03000509000000000000" pitchFamily="65" charset="-120"/>
+              </a:rPr>
+              <a:t>當前分數</a:t>
+            </a:r>
+          </a:p>
+        </p:txBody>
+      </p:sp>
     </p:spTree>
     <p:extLst>
       <p:ext uri="{BB962C8B-B14F-4D97-AF65-F5344CB8AC3E}">
-        <p14:creationId xmlns:p14="http://schemas.microsoft.com/office/powerpoint/2010/main" val="840295460"/>
+        <p14:creationId xmlns:p14="http://schemas.microsoft.com/office/powerpoint/2010/main" val="2376800786"/>
       </p:ext>
     </p:extLst>
   </p:cSld>
@@ -4369,6 +4723,169 @@
           </a:p>
         </p:txBody>
       </p:sp>
+      <p:pic>
+        <p:nvPicPr>
+          <p:cNvPr id="4" name="pingpong_led_fail">
+            <a:hlinkClick r:id="" action="ppaction://media"/>
+            <a:extLst>
+              <a:ext uri="{FF2B5EF4-FFF2-40B4-BE49-F238E27FC236}">
+                <a16:creationId xmlns:a16="http://schemas.microsoft.com/office/drawing/2014/main" id="{84C31DDC-3EF2-458D-8AAC-7939D8AE4542}"/>
+              </a:ext>
+            </a:extLst>
+          </p:cNvPr>
+          <p:cNvPicPr>
+            <a:picLocks noChangeAspect="1"/>
+          </p:cNvPicPr>
+          <p:nvPr>
+            <a:videoFile r:link="rId2"/>
+            <p:extLst>
+              <p:ext uri="{DAA4B4D4-6D71-4841-9C94-3DE7FCFB9230}">
+                <p14:media xmlns:p14="http://schemas.microsoft.com/office/powerpoint/2010/main" r:embed="rId1"/>
+              </p:ext>
+            </p:extLst>
+          </p:nvPr>
+        </p:nvPicPr>
+        <p:blipFill>
+          <a:blip r:embed="rId4"/>
+          <a:stretch>
+            <a:fillRect/>
+          </a:stretch>
+        </p:blipFill>
+        <p:spPr>
+          <a:xfrm>
+            <a:off x="838200" y="2027237"/>
+            <a:ext cx="4876800" cy="2803525"/>
+          </a:xfrm>
+          <a:prstGeom prst="rect">
+            <a:avLst/>
+          </a:prstGeom>
+        </p:spPr>
+      </p:pic>
+      <p:sp>
+        <p:nvSpPr>
+          <p:cNvPr id="5" name="文字方塊 4">
+            <a:extLst>
+              <a:ext uri="{FF2B5EF4-FFF2-40B4-BE49-F238E27FC236}">
+                <a16:creationId xmlns:a16="http://schemas.microsoft.com/office/drawing/2014/main" id="{46083855-6B97-439A-8D40-A5409D24CC96}"/>
+              </a:ext>
+            </a:extLst>
+          </p:cNvPr>
+          <p:cNvSpPr txBox="1"/>
+          <p:nvPr/>
+        </p:nvSpPr>
+        <p:spPr>
+          <a:xfrm>
+            <a:off x="5905849" y="2027237"/>
+            <a:ext cx="5493812" cy="646331"/>
+          </a:xfrm>
+          <a:prstGeom prst="rect">
+            <a:avLst/>
+          </a:prstGeom>
+          <a:noFill/>
+        </p:spPr>
+        <p:txBody>
+          <a:bodyPr wrap="none" rtlCol="0">
+            <a:spAutoFit/>
+          </a:bodyPr>
+          <a:lstStyle/>
+          <a:p>
+            <a:r>
+              <a:rPr lang="zh-TW" altLang="en-US" dirty="0">
+                <a:latin typeface="標楷體" panose="03000509000000000000" pitchFamily="65" charset="-120"/>
+                <a:ea typeface="標楷體" panose="03000509000000000000" pitchFamily="65" charset="-120"/>
+              </a:rPr>
+              <a:t>說明</a:t>
+            </a:r>
+            <a:r>
+              <a:rPr lang="en-US" altLang="zh-TW" dirty="0">
+                <a:latin typeface="標楷體" panose="03000509000000000000" pitchFamily="65" charset="-120"/>
+                <a:ea typeface="標楷體" panose="03000509000000000000" pitchFamily="65" charset="-120"/>
+              </a:rPr>
+              <a:t>:</a:t>
+            </a:r>
+            <a:r>
+              <a:rPr lang="zh-TW" altLang="en-US" dirty="0">
+                <a:latin typeface="標楷體" panose="03000509000000000000" pitchFamily="65" charset="-120"/>
+                <a:ea typeface="標楷體" panose="03000509000000000000" pitchFamily="65" charset="-120"/>
+              </a:rPr>
+              <a:t> 左邊的按鈕為 </a:t>
+            </a:r>
+            <a:r>
+              <a:rPr lang="en-US" altLang="zh-TW" dirty="0">
+                <a:latin typeface="標楷體" panose="03000509000000000000" pitchFamily="65" charset="-120"/>
+                <a:ea typeface="標楷體" panose="03000509000000000000" pitchFamily="65" charset="-120"/>
+              </a:rPr>
+              <a:t>PL1</a:t>
+            </a:r>
+            <a:r>
+              <a:rPr lang="zh-TW" altLang="en-US" dirty="0">
+                <a:latin typeface="標楷體" panose="03000509000000000000" pitchFamily="65" charset="-120"/>
+                <a:ea typeface="標楷體" panose="03000509000000000000" pitchFamily="65" charset="-120"/>
+              </a:rPr>
+              <a:t>， 右邊的按鈕為 </a:t>
+            </a:r>
+            <a:r>
+              <a:rPr lang="en-US" altLang="zh-TW" dirty="0">
+                <a:latin typeface="標楷體" panose="03000509000000000000" pitchFamily="65" charset="-120"/>
+                <a:ea typeface="標楷體" panose="03000509000000000000" pitchFamily="65" charset="-120"/>
+              </a:rPr>
+              <a:t>PL2</a:t>
+            </a:r>
+            <a:r>
+              <a:rPr lang="zh-TW" altLang="en-US" dirty="0">
+                <a:latin typeface="標楷體" panose="03000509000000000000" pitchFamily="65" charset="-120"/>
+                <a:ea typeface="標楷體" panose="03000509000000000000" pitchFamily="65" charset="-120"/>
+              </a:rPr>
+              <a:t>，</a:t>
+            </a:r>
+            <a:endParaRPr lang="en-US" altLang="zh-TW" dirty="0">
+              <a:latin typeface="標楷體" panose="03000509000000000000" pitchFamily="65" charset="-120"/>
+              <a:ea typeface="標楷體" panose="03000509000000000000" pitchFamily="65" charset="-120"/>
+            </a:endParaRPr>
+          </a:p>
+          <a:p>
+            <a:r>
+              <a:rPr lang="zh-TW" altLang="en-US" dirty="0">
+                <a:latin typeface="標楷體" panose="03000509000000000000" pitchFamily="65" charset="-120"/>
+                <a:ea typeface="標楷體" panose="03000509000000000000" pitchFamily="65" charset="-120"/>
+              </a:rPr>
+              <a:t>左邊的七段為 </a:t>
+            </a:r>
+            <a:r>
+              <a:rPr lang="en-US" altLang="zh-TW" dirty="0">
+                <a:latin typeface="標楷體" panose="03000509000000000000" pitchFamily="65" charset="-120"/>
+                <a:ea typeface="標楷體" panose="03000509000000000000" pitchFamily="65" charset="-120"/>
+              </a:rPr>
+              <a:t>PL1 </a:t>
+            </a:r>
+            <a:r>
+              <a:rPr lang="zh-TW" altLang="en-US" dirty="0">
+                <a:latin typeface="標楷體" panose="03000509000000000000" pitchFamily="65" charset="-120"/>
+                <a:ea typeface="標楷體" panose="03000509000000000000" pitchFamily="65" charset="-120"/>
+              </a:rPr>
+              <a:t>分數，右邊的七段為 </a:t>
+            </a:r>
+            <a:r>
+              <a:rPr lang="en-US" altLang="zh-TW" dirty="0">
+                <a:latin typeface="標楷體" panose="03000509000000000000" pitchFamily="65" charset="-120"/>
+                <a:ea typeface="標楷體" panose="03000509000000000000" pitchFamily="65" charset="-120"/>
+              </a:rPr>
+              <a:t>PL2 </a:t>
+            </a:r>
+            <a:r>
+              <a:rPr lang="zh-TW" altLang="en-US" dirty="0">
+                <a:latin typeface="標楷體" panose="03000509000000000000" pitchFamily="65" charset="-120"/>
+                <a:ea typeface="標楷體" panose="03000509000000000000" pitchFamily="65" charset="-120"/>
+              </a:rPr>
+              <a:t>分數。</a:t>
+            </a:r>
+            <a:endParaRPr lang="en-US" altLang="zh-TW" dirty="0">
+              <a:latin typeface="標楷體" panose="03000509000000000000" pitchFamily="65" charset="-120"/>
+              <a:ea typeface="標楷體" panose="03000509000000000000" pitchFamily="65" charset="-120"/>
+            </a:endParaRPr>
+          </a:p>
+        </p:txBody>
+      </p:sp>
     </p:spTree>
     <p:extLst>
       <p:ext uri="{BB962C8B-B14F-4D97-AF65-F5344CB8AC3E}">
@@ -4379,6 +4896,141 @@
   <p:clrMapOvr>
     <a:masterClrMapping/>
   </p:clrMapOvr>
+  <p:timing>
+    <p:tnLst>
+      <p:par>
+        <p:cTn id="1" dur="indefinite" restart="never" nodeType="tmRoot">
+          <p:childTnLst>
+            <p:seq concurrent="1" nextAc="seek">
+              <p:cTn id="2" dur="indefinite" nodeType="mainSeq">
+                <p:childTnLst>
+                  <p:par>
+                    <p:cTn id="3" fill="hold">
+                      <p:stCondLst>
+                        <p:cond delay="indefinite"/>
+                      </p:stCondLst>
+                      <p:childTnLst>
+                        <p:par>
+                          <p:cTn id="4" fill="hold">
+                            <p:stCondLst>
+                              <p:cond delay="0"/>
+                            </p:stCondLst>
+                            <p:childTnLst>
+                              <p:par>
+                                <p:cTn id="5" presetID="1" presetClass="mediacall" presetSubtype="0" fill="hold" nodeType="clickEffect">
+                                  <p:stCondLst>
+                                    <p:cond delay="0"/>
+                                  </p:stCondLst>
+                                  <p:childTnLst>
+                                    <p:cmd type="call" cmd="playFrom(0.0)">
+                                      <p:cBhvr>
+                                        <p:cTn id="6" dur="10069" fill="hold"/>
+                                        <p:tgtEl>
+                                          <p:spTgt spid="4"/>
+                                        </p:tgtEl>
+                                      </p:cBhvr>
+                                    </p:cmd>
+                                  </p:childTnLst>
+                                </p:cTn>
+                              </p:par>
+                            </p:childTnLst>
+                          </p:cTn>
+                        </p:par>
+                      </p:childTnLst>
+                    </p:cTn>
+                  </p:par>
+                </p:childTnLst>
+              </p:cTn>
+              <p:prevCondLst>
+                <p:cond evt="onPrev" delay="0">
+                  <p:tgtEl>
+                    <p:sldTgt/>
+                  </p:tgtEl>
+                </p:cond>
+              </p:prevCondLst>
+              <p:nextCondLst>
+                <p:cond evt="onNext" delay="0">
+                  <p:tgtEl>
+                    <p:sldTgt/>
+                  </p:tgtEl>
+                </p:cond>
+              </p:nextCondLst>
+            </p:seq>
+            <p:seq concurrent="1" nextAc="seek">
+              <p:cTn id="7" restart="whenNotActive" fill="hold" evtFilter="cancelBubble" nodeType="interactiveSeq">
+                <p:stCondLst>
+                  <p:cond evt="onClick" delay="0">
+                    <p:tgtEl>
+                      <p:spTgt spid="4"/>
+                    </p:tgtEl>
+                  </p:cond>
+                </p:stCondLst>
+                <p:endSync evt="end" delay="0">
+                  <p:rtn val="all"/>
+                </p:endSync>
+                <p:childTnLst>
+                  <p:par>
+                    <p:cTn id="8" fill="hold">
+                      <p:stCondLst>
+                        <p:cond delay="0"/>
+                      </p:stCondLst>
+                      <p:childTnLst>
+                        <p:par>
+                          <p:cTn id="9" fill="hold">
+                            <p:stCondLst>
+                              <p:cond delay="0"/>
+                            </p:stCondLst>
+                            <p:childTnLst>
+                              <p:par>
+                                <p:cTn id="10" presetID="2" presetClass="mediacall" presetSubtype="0" fill="hold" nodeType="clickEffect">
+                                  <p:stCondLst>
+                                    <p:cond delay="0"/>
+                                  </p:stCondLst>
+                                  <p:childTnLst>
+                                    <p:cmd type="call" cmd="togglePause">
+                                      <p:cBhvr>
+                                        <p:cTn id="11" dur="1" fill="hold"/>
+                                        <p:tgtEl>
+                                          <p:spTgt spid="4"/>
+                                        </p:tgtEl>
+                                      </p:cBhvr>
+                                    </p:cmd>
+                                  </p:childTnLst>
+                                </p:cTn>
+                              </p:par>
+                            </p:childTnLst>
+                          </p:cTn>
+                        </p:par>
+                      </p:childTnLst>
+                    </p:cTn>
+                  </p:par>
+                </p:childTnLst>
+              </p:cTn>
+              <p:nextCondLst>
+                <p:cond evt="onClick" delay="0">
+                  <p:tgtEl>
+                    <p:spTgt spid="4"/>
+                  </p:tgtEl>
+                </p:cond>
+              </p:nextCondLst>
+            </p:seq>
+            <p:video>
+              <p:cMediaNode vol="80000">
+                <p:cTn id="12" fill="hold" display="0">
+                  <p:stCondLst>
+                    <p:cond delay="indefinite"/>
+                  </p:stCondLst>
+                </p:cTn>
+                <p:tgtEl>
+                  <p:spTgt spid="4"/>
+                </p:tgtEl>
+              </p:cMediaNode>
+            </p:video>
+          </p:childTnLst>
+        </p:cTn>
+      </p:par>
+    </p:tnLst>
+  </p:timing>
 </p:sld>
 </file>
 
@@ -4423,8 +5075,12 @@
           <a:lstStyle/>
           <a:p>
             <a:r>
+              <a:rPr lang="en-US" altLang="zh-TW" sz="2000" dirty="0"/>
+              <a:t>Q.</a:t>
+            </a:r>
+            <a:r>
               <a:rPr lang="zh-TW" altLang="en-US" sz="2000" dirty="0"/>
-              <a:t>設計 </a:t>
+              <a:t> 目前 </a:t>
             </a:r>
             <a:r>
               <a:rPr lang="en-US" altLang="zh-TW" sz="2000" dirty="0"/>
@@ -4432,17 +5088,7 @@
             </a:r>
             <a:r>
               <a:rPr lang="zh-TW" altLang="en-US" sz="2000" dirty="0"/>
-              <a:t> 乒乓球遊戲</a:t>
-            </a:r>
-            <a:endParaRPr lang="en-US" altLang="zh-TW" sz="2000" dirty="0"/>
-          </a:p>
-          <a:p>
-            <a:pPr marL="0" indent="0">
-              <a:buNone/>
-            </a:pPr>
-            <a:r>
-              <a:rPr lang="zh-TW" altLang="en-US" sz="2000" dirty="0"/>
-              <a:t>      </a:t>
+              <a:t> 的部分不會移動，但是計分判斷和按鈕控制流程是正常功能</a:t>
             </a:r>
             <a:endParaRPr lang="en-US" altLang="zh-TW" sz="2000" dirty="0"/>
           </a:p>
